--- a/Udemy/Lecture 1 - Application Design/_02_ApplicationDesign-8Rules_Screen.pptx
+++ b/Udemy/Lecture 1 - Application Design/_02_ApplicationDesign-8Rules_Screen.pptx
@@ -306,7 +306,7 @@
           <a:p>
             <a:fld id="{D2BDCC73-4DDF-49AB-AEE1-BCC66D6EB140}" type="datetimeFigureOut">
               <a:rPr lang="en-GB" smtClean="0"/>
-              <a:t>08/12/2018</a:t>
+              <a:t>28/07/2019</a:t>
             </a:fld>
             <a:endParaRPr lang="en-GB" dirty="0"/>
           </a:p>
@@ -516,7 +516,7 @@
           <a:p>
             <a:fld id="{D2BDCC73-4DDF-49AB-AEE1-BCC66D6EB140}" type="datetimeFigureOut">
               <a:rPr lang="en-GB" smtClean="0"/>
-              <a:t>08/12/2018</a:t>
+              <a:t>28/07/2019</a:t>
             </a:fld>
             <a:endParaRPr lang="en-GB" dirty="0"/>
           </a:p>
@@ -720,7 +720,7 @@
           <a:p>
             <a:fld id="{D2BDCC73-4DDF-49AB-AEE1-BCC66D6EB140}" type="datetimeFigureOut">
               <a:rPr lang="en-GB" smtClean="0"/>
-              <a:t>08/12/2018</a:t>
+              <a:t>28/07/2019</a:t>
             </a:fld>
             <a:endParaRPr lang="en-GB" dirty="0"/>
           </a:p>
@@ -890,7 +890,7 @@
           <a:p>
             <a:fld id="{D2BDCC73-4DDF-49AB-AEE1-BCC66D6EB140}" type="datetimeFigureOut">
               <a:rPr lang="en-GB" smtClean="0"/>
-              <a:t>08/12/2018</a:t>
+              <a:t>28/07/2019</a:t>
             </a:fld>
             <a:endParaRPr lang="en-GB" dirty="0"/>
           </a:p>
@@ -1140,7 +1140,7 @@
           <a:p>
             <a:fld id="{D2BDCC73-4DDF-49AB-AEE1-BCC66D6EB140}" type="datetimeFigureOut">
               <a:rPr lang="en-GB" smtClean="0"/>
-              <a:t>08/12/2018</a:t>
+              <a:t>28/07/2019</a:t>
             </a:fld>
             <a:endParaRPr lang="en-GB" dirty="0"/>
           </a:p>
@@ -1372,7 +1372,7 @@
           <a:p>
             <a:fld id="{D2BDCC73-4DDF-49AB-AEE1-BCC66D6EB140}" type="datetimeFigureOut">
               <a:rPr lang="en-GB" smtClean="0"/>
-              <a:t>08/12/2018</a:t>
+              <a:t>28/07/2019</a:t>
             </a:fld>
             <a:endParaRPr lang="en-GB" dirty="0"/>
           </a:p>
@@ -1741,7 +1741,7 @@
           <a:p>
             <a:fld id="{D2BDCC73-4DDF-49AB-AEE1-BCC66D6EB140}" type="datetimeFigureOut">
               <a:rPr lang="en-GB" smtClean="0"/>
-              <a:t>08/12/2018</a:t>
+              <a:t>28/07/2019</a:t>
             </a:fld>
             <a:endParaRPr lang="en-GB" dirty="0"/>
           </a:p>
@@ -1859,7 +1859,7 @@
           <a:p>
             <a:fld id="{D2BDCC73-4DDF-49AB-AEE1-BCC66D6EB140}" type="datetimeFigureOut">
               <a:rPr lang="en-GB" smtClean="0"/>
-              <a:t>08/12/2018</a:t>
+              <a:t>28/07/2019</a:t>
             </a:fld>
             <a:endParaRPr lang="en-GB" dirty="0"/>
           </a:p>
@@ -1954,7 +1954,7 @@
           <a:p>
             <a:fld id="{D2BDCC73-4DDF-49AB-AEE1-BCC66D6EB140}" type="datetimeFigureOut">
               <a:rPr lang="en-GB" smtClean="0"/>
-              <a:t>08/12/2018</a:t>
+              <a:t>28/07/2019</a:t>
             </a:fld>
             <a:endParaRPr lang="en-GB" dirty="0"/>
           </a:p>
@@ -2235,7 +2235,7 @@
           <a:p>
             <a:fld id="{D2BDCC73-4DDF-49AB-AEE1-BCC66D6EB140}" type="datetimeFigureOut">
               <a:rPr lang="en-GB" smtClean="0"/>
-              <a:t>08/12/2018</a:t>
+              <a:t>28/07/2019</a:t>
             </a:fld>
             <a:endParaRPr lang="en-GB" dirty="0"/>
           </a:p>
@@ -2490,7 +2490,7 @@
           <a:p>
             <a:fld id="{D2BDCC73-4DDF-49AB-AEE1-BCC66D6EB140}" type="datetimeFigureOut">
               <a:rPr lang="en-GB" smtClean="0"/>
-              <a:t>08/12/2018</a:t>
+              <a:t>28/07/2019</a:t>
             </a:fld>
             <a:endParaRPr lang="en-GB" dirty="0"/>
           </a:p>
@@ -2749,7 +2749,7 @@
           <a:p>
             <a:fld id="{D2BDCC73-4DDF-49AB-AEE1-BCC66D6EB140}" type="datetimeFigureOut">
               <a:rPr lang="en-GB" smtClean="0"/>
-              <a:t>08/12/2018</a:t>
+              <a:t>28/07/2019</a:t>
             </a:fld>
             <a:endParaRPr lang="en-GB" dirty="0"/>
           </a:p>
@@ -3695,7 +3695,7 @@
             <a:r>
               <a:rPr lang="en-US" kern="1200" dirty="0">
                 <a:solidFill>
-                  <a:srgbClr val="CACF0B"/>
+                  <a:schemeClr val="accent2"/>
                 </a:solidFill>
                 <a:latin typeface="+mn-lt"/>
                 <a:ea typeface="+mn-ea"/>
@@ -4120,10 +4120,18 @@
             <a:r>
               <a:rPr lang="en-GB" sz="2400" dirty="0">
                 <a:solidFill>
+                  <a:schemeClr val="accent2"/>
+                </a:solidFill>
+              </a:rPr>
+              <a:t>Define</a:t>
+            </a:r>
+            <a:r>
+              <a:rPr lang="en-GB" sz="2400" dirty="0">
+                <a:solidFill>
                   <a:schemeClr val="bg1"/>
                 </a:solidFill>
               </a:rPr>
-              <a:t>Define the project</a:t>
+              <a:t> the project</a:t>
             </a:r>
           </a:p>
           <a:p>
@@ -4169,7 +4177,15 @@
                   <a:schemeClr val="bg1"/>
                 </a:solidFill>
               </a:rPr>
-              <a:t> user</a:t>
+              <a:t> </a:t>
+            </a:r>
+            <a:r>
+              <a:rPr lang="en-GB" sz="2400" dirty="0">
+                <a:solidFill>
+                  <a:schemeClr val="accent2"/>
+                </a:solidFill>
+              </a:rPr>
+              <a:t>user</a:t>
             </a:r>
           </a:p>
           <a:p>
@@ -4199,7 +4215,15 @@
                   <a:schemeClr val="bg1"/>
                 </a:solidFill>
               </a:rPr>
-              <a:t>Involve the stakeholder</a:t>
+              <a:t>Involve the </a:t>
+            </a:r>
+            <a:r>
+              <a:rPr lang="en-GB" sz="2400" dirty="0">
+                <a:solidFill>
+                  <a:schemeClr val="accent2"/>
+                </a:solidFill>
+              </a:rPr>
+              <a:t>stakeholder</a:t>
             </a:r>
           </a:p>
           <a:p>
@@ -4259,7 +4283,15 @@
                   <a:schemeClr val="bg1"/>
                 </a:solidFill>
               </a:rPr>
-              <a:t>Collect all data</a:t>
+              <a:t>Collect all </a:t>
+            </a:r>
+            <a:r>
+              <a:rPr lang="en-GB" sz="2400" dirty="0">
+                <a:solidFill>
+                  <a:schemeClr val="accent2"/>
+                </a:solidFill>
+              </a:rPr>
+              <a:t>data</a:t>
             </a:r>
           </a:p>
           <a:p>
@@ -4289,7 +4321,15 @@
                   <a:schemeClr val="bg1"/>
                 </a:solidFill>
               </a:rPr>
-              <a:t>Build an interface</a:t>
+              <a:t>Build an </a:t>
+            </a:r>
+            <a:r>
+              <a:rPr lang="en-GB" sz="2400" dirty="0">
+                <a:solidFill>
+                  <a:schemeClr val="accent2"/>
+                </a:solidFill>
+              </a:rPr>
+              <a:t>interface</a:t>
             </a:r>
           </a:p>
           <a:p>
@@ -4316,10 +4356,18 @@
             <a:r>
               <a:rPr lang="en-GB" sz="2400" dirty="0">
                 <a:solidFill>
+                  <a:schemeClr val="accent2"/>
+                </a:solidFill>
+              </a:rPr>
+              <a:t>Link</a:t>
+            </a:r>
+            <a:r>
+              <a:rPr lang="en-GB" sz="2400" dirty="0">
+                <a:solidFill>
                   <a:schemeClr val="bg1"/>
                 </a:solidFill>
               </a:rPr>
-              <a:t>Link to your data</a:t>
+              <a:t> to your data</a:t>
             </a:r>
           </a:p>
           <a:p>
@@ -4346,10 +4394,26 @@
             <a:r>
               <a:rPr lang="en-GB" sz="2400" dirty="0">
                 <a:solidFill>
+                  <a:schemeClr val="accent2"/>
+                </a:solidFill>
+              </a:rPr>
+              <a:t>Test</a:t>
+            </a:r>
+            <a:r>
+              <a:rPr lang="en-GB" sz="2400" dirty="0">
+                <a:solidFill>
                   <a:schemeClr val="bg1"/>
                 </a:solidFill>
               </a:rPr>
-              <a:t>Test and release</a:t>
+              <a:t> and </a:t>
+            </a:r>
+            <a:r>
+              <a:rPr lang="en-GB" sz="2400" dirty="0">
+                <a:solidFill>
+                  <a:schemeClr val="accent2"/>
+                </a:solidFill>
+              </a:rPr>
+              <a:t>release</a:t>
             </a:r>
           </a:p>
         </p:txBody>
@@ -4995,7 +5059,7 @@
 <file path=ppt/theme/theme1.xml><?xml version="1.0" encoding="utf-8"?>
 <a:theme xmlns:a="http://schemas.openxmlformats.org/drawingml/2006/main" name="Office Theme">
   <a:themeElements>
-    <a:clrScheme name="Office">
+    <a:clrScheme name="Red Orange">
       <a:dk1>
         <a:sysClr val="windowText" lastClr="000000"/>
       </a:dk1>
@@ -5003,34 +5067,34 @@
         <a:sysClr val="window" lastClr="FFFFFF"/>
       </a:lt1>
       <a:dk2>
-        <a:srgbClr val="44546A"/>
+        <a:srgbClr val="505046"/>
       </a:dk2>
       <a:lt2>
-        <a:srgbClr val="E7E6E6"/>
+        <a:srgbClr val="EEECE1"/>
       </a:lt2>
       <a:accent1>
-        <a:srgbClr val="5B9BD5"/>
+        <a:srgbClr val="E84C22"/>
       </a:accent1>
       <a:accent2>
-        <a:srgbClr val="ED7D31"/>
+        <a:srgbClr val="FFBD47"/>
       </a:accent2>
       <a:accent3>
-        <a:srgbClr val="A5A5A5"/>
+        <a:srgbClr val="B64926"/>
       </a:accent3>
       <a:accent4>
-        <a:srgbClr val="FFC000"/>
+        <a:srgbClr val="FF8427"/>
       </a:accent4>
       <a:accent5>
-        <a:srgbClr val="4472C4"/>
+        <a:srgbClr val="CC9900"/>
       </a:accent5>
       <a:accent6>
-        <a:srgbClr val="70AD47"/>
+        <a:srgbClr val="B22600"/>
       </a:accent6>
       <a:hlink>
-        <a:srgbClr val="0563C1"/>
+        <a:srgbClr val="CC9900"/>
       </a:hlink>
       <a:folHlink>
-        <a:srgbClr val="954F72"/>
+        <a:srgbClr val="666699"/>
       </a:folHlink>
     </a:clrScheme>
     <a:fontScheme name="Office">
